--- a/Наработки/диздоки/Индонезия/индонезия.pptx
+++ b/Наработки/диздоки/Индонезия/индонезия.pptx
@@ -209,7 +209,7 @@
             <a:fld id="{33E3D7F9-E251-484C-A6FF-FA958879DF69}" type="datetimeFigureOut">
               <a:rPr lang="ru-RU" smtClean="0"/>
               <a:pPr/>
-              <a:t>08.04.2022</a:t>
+              <a:t>29.04.2022</a:t>
             </a:fld>
             <a:endParaRPr lang="ru-RU"/>
           </a:p>
@@ -699,7 +699,7 @@
             <a:fld id="{85A5DE44-605B-4D3B-B2B7-94543DF81A36}" type="datetimeFigureOut">
               <a:rPr lang="ru-RU" smtClean="0"/>
               <a:pPr/>
-              <a:t>08.04.2022</a:t>
+              <a:t>29.04.2022</a:t>
             </a:fld>
             <a:endParaRPr lang="ru-RU"/>
           </a:p>
@@ -871,7 +871,7 @@
             <a:fld id="{85A5DE44-605B-4D3B-B2B7-94543DF81A36}" type="datetimeFigureOut">
               <a:rPr lang="ru-RU" smtClean="0"/>
               <a:pPr/>
-              <a:t>08.04.2022</a:t>
+              <a:t>29.04.2022</a:t>
             </a:fld>
             <a:endParaRPr lang="ru-RU"/>
           </a:p>
@@ -1053,7 +1053,7 @@
             <a:fld id="{85A5DE44-605B-4D3B-B2B7-94543DF81A36}" type="datetimeFigureOut">
               <a:rPr lang="ru-RU" smtClean="0"/>
               <a:pPr/>
-              <a:t>08.04.2022</a:t>
+              <a:t>29.04.2022</a:t>
             </a:fld>
             <a:endParaRPr lang="ru-RU"/>
           </a:p>
@@ -1225,7 +1225,7 @@
             <a:fld id="{85A5DE44-605B-4D3B-B2B7-94543DF81A36}" type="datetimeFigureOut">
               <a:rPr lang="ru-RU" smtClean="0"/>
               <a:pPr/>
-              <a:t>08.04.2022</a:t>
+              <a:t>29.04.2022</a:t>
             </a:fld>
             <a:endParaRPr lang="ru-RU"/>
           </a:p>
@@ -1473,7 +1473,7 @@
             <a:fld id="{85A5DE44-605B-4D3B-B2B7-94543DF81A36}" type="datetimeFigureOut">
               <a:rPr lang="ru-RU" smtClean="0"/>
               <a:pPr/>
-              <a:t>08.04.2022</a:t>
+              <a:t>29.04.2022</a:t>
             </a:fld>
             <a:endParaRPr lang="ru-RU"/>
           </a:p>
@@ -1707,7 +1707,7 @@
             <a:fld id="{85A5DE44-605B-4D3B-B2B7-94543DF81A36}" type="datetimeFigureOut">
               <a:rPr lang="ru-RU" smtClean="0"/>
               <a:pPr/>
-              <a:t>08.04.2022</a:t>
+              <a:t>29.04.2022</a:t>
             </a:fld>
             <a:endParaRPr lang="ru-RU"/>
           </a:p>
@@ -2076,7 +2076,7 @@
             <a:fld id="{85A5DE44-605B-4D3B-B2B7-94543DF81A36}" type="datetimeFigureOut">
               <a:rPr lang="ru-RU" smtClean="0"/>
               <a:pPr/>
-              <a:t>08.04.2022</a:t>
+              <a:t>29.04.2022</a:t>
             </a:fld>
             <a:endParaRPr lang="ru-RU"/>
           </a:p>
@@ -2196,7 +2196,7 @@
             <a:fld id="{85A5DE44-605B-4D3B-B2B7-94543DF81A36}" type="datetimeFigureOut">
               <a:rPr lang="ru-RU" smtClean="0"/>
               <a:pPr/>
-              <a:t>08.04.2022</a:t>
+              <a:t>29.04.2022</a:t>
             </a:fld>
             <a:endParaRPr lang="ru-RU"/>
           </a:p>
@@ -2293,7 +2293,7 @@
             <a:fld id="{85A5DE44-605B-4D3B-B2B7-94543DF81A36}" type="datetimeFigureOut">
               <a:rPr lang="ru-RU" smtClean="0"/>
               <a:pPr/>
-              <a:t>08.04.2022</a:t>
+              <a:t>29.04.2022</a:t>
             </a:fld>
             <a:endParaRPr lang="ru-RU"/>
           </a:p>
@@ -2572,7 +2572,7 @@
             <a:fld id="{85A5DE44-605B-4D3B-B2B7-94543DF81A36}" type="datetimeFigureOut">
               <a:rPr lang="ru-RU" smtClean="0"/>
               <a:pPr/>
-              <a:t>08.04.2022</a:t>
+              <a:t>29.04.2022</a:t>
             </a:fld>
             <a:endParaRPr lang="ru-RU"/>
           </a:p>
@@ -2831,7 +2831,7 @@
             <a:fld id="{85A5DE44-605B-4D3B-B2B7-94543DF81A36}" type="datetimeFigureOut">
               <a:rPr lang="ru-RU" smtClean="0"/>
               <a:pPr/>
-              <a:t>08.04.2022</a:t>
+              <a:t>29.04.2022</a:t>
             </a:fld>
             <a:endParaRPr lang="ru-RU"/>
           </a:p>
@@ -3046,7 +3046,7 @@
             <a:fld id="{85A5DE44-605B-4D3B-B2B7-94543DF81A36}" type="datetimeFigureOut">
               <a:rPr lang="ru-RU" smtClean="0"/>
               <a:pPr/>
-              <a:t>08.04.2022</a:t>
+              <a:t>29.04.2022</a:t>
             </a:fld>
             <a:endParaRPr lang="ru-RU"/>
           </a:p>
@@ -3472,9 +3472,7 @@
           <a:prstGeom prst="rect">
             <a:avLst/>
           </a:prstGeom>
-          <a:solidFill>
-            <a:srgbClr val="FF0000"/>
-          </a:solidFill>
+          <a:noFill/>
           <a:ln w="28575"/>
         </p:spPr>
         <p:style>
@@ -3628,9 +3626,7 @@
           <a:prstGeom prst="rect">
             <a:avLst/>
           </a:prstGeom>
-          <a:solidFill>
-            <a:srgbClr val="FF0000"/>
-          </a:solidFill>
+          <a:noFill/>
           <a:ln w="28575"/>
         </p:spPr>
         <p:style>

--- a/Наработки/диздоки/Индонезия/индонезия.pptx
+++ b/Наработки/диздоки/Индонезия/индонезия.pptx
@@ -209,7 +209,7 @@
             <a:fld id="{33E3D7F9-E251-484C-A6FF-FA958879DF69}" type="datetimeFigureOut">
               <a:rPr lang="ru-RU" smtClean="0"/>
               <a:pPr/>
-              <a:t>29.04.2022</a:t>
+              <a:t>06.06.2023</a:t>
             </a:fld>
             <a:endParaRPr lang="ru-RU"/>
           </a:p>
@@ -699,7 +699,7 @@
             <a:fld id="{85A5DE44-605B-4D3B-B2B7-94543DF81A36}" type="datetimeFigureOut">
               <a:rPr lang="ru-RU" smtClean="0"/>
               <a:pPr/>
-              <a:t>29.04.2022</a:t>
+              <a:t>06.06.2023</a:t>
             </a:fld>
             <a:endParaRPr lang="ru-RU"/>
           </a:p>
@@ -871,7 +871,7 @@
             <a:fld id="{85A5DE44-605B-4D3B-B2B7-94543DF81A36}" type="datetimeFigureOut">
               <a:rPr lang="ru-RU" smtClean="0"/>
               <a:pPr/>
-              <a:t>29.04.2022</a:t>
+              <a:t>06.06.2023</a:t>
             </a:fld>
             <a:endParaRPr lang="ru-RU"/>
           </a:p>
@@ -1053,7 +1053,7 @@
             <a:fld id="{85A5DE44-605B-4D3B-B2B7-94543DF81A36}" type="datetimeFigureOut">
               <a:rPr lang="ru-RU" smtClean="0"/>
               <a:pPr/>
-              <a:t>29.04.2022</a:t>
+              <a:t>06.06.2023</a:t>
             </a:fld>
             <a:endParaRPr lang="ru-RU"/>
           </a:p>
@@ -1225,7 +1225,7 @@
             <a:fld id="{85A5DE44-605B-4D3B-B2B7-94543DF81A36}" type="datetimeFigureOut">
               <a:rPr lang="ru-RU" smtClean="0"/>
               <a:pPr/>
-              <a:t>29.04.2022</a:t>
+              <a:t>06.06.2023</a:t>
             </a:fld>
             <a:endParaRPr lang="ru-RU"/>
           </a:p>
@@ -1473,7 +1473,7 @@
             <a:fld id="{85A5DE44-605B-4D3B-B2B7-94543DF81A36}" type="datetimeFigureOut">
               <a:rPr lang="ru-RU" smtClean="0"/>
               <a:pPr/>
-              <a:t>29.04.2022</a:t>
+              <a:t>06.06.2023</a:t>
             </a:fld>
             <a:endParaRPr lang="ru-RU"/>
           </a:p>
@@ -1707,7 +1707,7 @@
             <a:fld id="{85A5DE44-605B-4D3B-B2B7-94543DF81A36}" type="datetimeFigureOut">
               <a:rPr lang="ru-RU" smtClean="0"/>
               <a:pPr/>
-              <a:t>29.04.2022</a:t>
+              <a:t>06.06.2023</a:t>
             </a:fld>
             <a:endParaRPr lang="ru-RU"/>
           </a:p>
@@ -2076,7 +2076,7 @@
             <a:fld id="{85A5DE44-605B-4D3B-B2B7-94543DF81A36}" type="datetimeFigureOut">
               <a:rPr lang="ru-RU" smtClean="0"/>
               <a:pPr/>
-              <a:t>29.04.2022</a:t>
+              <a:t>06.06.2023</a:t>
             </a:fld>
             <a:endParaRPr lang="ru-RU"/>
           </a:p>
@@ -2196,7 +2196,7 @@
             <a:fld id="{85A5DE44-605B-4D3B-B2B7-94543DF81A36}" type="datetimeFigureOut">
               <a:rPr lang="ru-RU" smtClean="0"/>
               <a:pPr/>
-              <a:t>29.04.2022</a:t>
+              <a:t>06.06.2023</a:t>
             </a:fld>
             <a:endParaRPr lang="ru-RU"/>
           </a:p>
@@ -2293,7 +2293,7 @@
             <a:fld id="{85A5DE44-605B-4D3B-B2B7-94543DF81A36}" type="datetimeFigureOut">
               <a:rPr lang="ru-RU" smtClean="0"/>
               <a:pPr/>
-              <a:t>29.04.2022</a:t>
+              <a:t>06.06.2023</a:t>
             </a:fld>
             <a:endParaRPr lang="ru-RU"/>
           </a:p>
@@ -2572,7 +2572,7 @@
             <a:fld id="{85A5DE44-605B-4D3B-B2B7-94543DF81A36}" type="datetimeFigureOut">
               <a:rPr lang="ru-RU" smtClean="0"/>
               <a:pPr/>
-              <a:t>29.04.2022</a:t>
+              <a:t>06.06.2023</a:t>
             </a:fld>
             <a:endParaRPr lang="ru-RU"/>
           </a:p>
@@ -2831,7 +2831,7 @@
             <a:fld id="{85A5DE44-605B-4D3B-B2B7-94543DF81A36}" type="datetimeFigureOut">
               <a:rPr lang="ru-RU" smtClean="0"/>
               <a:pPr/>
-              <a:t>29.04.2022</a:t>
+              <a:t>06.06.2023</a:t>
             </a:fld>
             <a:endParaRPr lang="ru-RU"/>
           </a:p>
@@ -3046,7 +3046,7 @@
             <a:fld id="{85A5DE44-605B-4D3B-B2B7-94543DF81A36}" type="datetimeFigureOut">
               <a:rPr lang="ru-RU" smtClean="0"/>
               <a:pPr/>
-              <a:t>29.04.2022</a:t>
+              <a:t>06.06.2023</a:t>
             </a:fld>
             <a:endParaRPr lang="ru-RU"/>
           </a:p>
@@ -3933,6 +3933,144 @@
               <a:ea typeface="Book Antiqua" panose="02040602050305030304" pitchFamily="18" charset="0"/>
               <a:cs typeface="Times New Roman" panose="02020603050405020304" pitchFamily="18" charset="0"/>
             </a:endParaRPr>
+          </a:p>
+        </p:txBody>
+      </p:sp>
+      <p:sp>
+        <p:nvSpPr>
+          <p:cNvPr id="11" name="Прямоугольник 10">
+            <a:extLst>
+              <a:ext uri="{FF2B5EF4-FFF2-40B4-BE49-F238E27FC236}">
+                <a16:creationId xmlns:a16="http://schemas.microsoft.com/office/drawing/2014/main" id="{6555F12A-373B-4FE4-AF82-4841A54510E6}"/>
+              </a:ext>
+            </a:extLst>
+          </p:cNvPr>
+          <p:cNvSpPr/>
+          <p:nvPr/>
+        </p:nvSpPr>
+        <p:spPr>
+          <a:xfrm>
+            <a:off x="18402097" y="4584392"/>
+            <a:ext cx="2115918" cy="1080000"/>
+          </a:xfrm>
+          <a:prstGeom prst="rect">
+            <a:avLst/>
+          </a:prstGeom>
+          <a:noFill/>
+          <a:ln w="28575"/>
+        </p:spPr>
+        <p:style>
+          <a:lnRef idx="2">
+            <a:schemeClr val="accent1"/>
+          </a:lnRef>
+          <a:fillRef idx="1">
+            <a:schemeClr val="lt1"/>
+          </a:fillRef>
+          <a:effectRef idx="0">
+            <a:schemeClr val="accent1"/>
+          </a:effectRef>
+          <a:fontRef idx="minor">
+            <a:schemeClr val="dk1"/>
+          </a:fontRef>
+        </p:style>
+        <p:txBody>
+          <a:bodyPr lIns="124733" tIns="62367" rIns="124733" bIns="62367" rtlCol="0" anchor="ctr"/>
+          <a:lstStyle/>
+          <a:p>
+            <a:pPr algn="ctr"/>
+            <a:r>
+              <a:rPr lang="ru-RU" sz="1400" dirty="0"/>
+              <a:t>Подъем экономики колонии начался только в 1938 г., и прежде </a:t>
+            </a:r>
+            <a:r>
+              <a:rPr lang="ru-RU" sz="1400" dirty="0" err="1"/>
+              <a:t>всегоэто</a:t>
+            </a:r>
+            <a:r>
+              <a:rPr lang="ru-RU" sz="1400" dirty="0"/>
+              <a:t> было связано с резким обострением международной обстановки подготовкой империалистических держав к возможной мировой  войне. Повышение спроса на стратегическое сырье, главным </a:t>
+            </a:r>
+            <a:r>
+              <a:rPr lang="ru-RU" sz="1400" dirty="0" err="1"/>
+              <a:t>образомна</a:t>
+            </a:r>
+            <a:r>
+              <a:rPr lang="ru-RU" sz="1400" dirty="0"/>
+              <a:t> нефть, каучук и олово, увеличило инвестиции в экономику </a:t>
+            </a:r>
+            <a:r>
+              <a:rPr lang="ru-RU" sz="1400" dirty="0" err="1"/>
+              <a:t>Индонезии.Это</a:t>
+            </a:r>
+            <a:r>
+              <a:rPr lang="ru-RU" sz="1400" dirty="0"/>
+              <a:t> коснулось также обрабатывающей, текстильной и </a:t>
+            </a:r>
+            <a:r>
+              <a:rPr lang="ru-RU" sz="1400" dirty="0" err="1"/>
+              <a:t>лакокрасочнойпромышленности</a:t>
+            </a:r>
+            <a:r>
+              <a:rPr lang="ru-RU" sz="1400" dirty="0"/>
+              <a:t>.</a:t>
+            </a:r>
+          </a:p>
+        </p:txBody>
+      </p:sp>
+      <p:sp>
+        <p:nvSpPr>
+          <p:cNvPr id="12" name="Прямоугольник 11">
+            <a:extLst>
+              <a:ext uri="{FF2B5EF4-FFF2-40B4-BE49-F238E27FC236}">
+                <a16:creationId xmlns:a16="http://schemas.microsoft.com/office/drawing/2014/main" id="{6E085F25-E4B9-4A9D-BEFF-9AC051CAB75C}"/>
+              </a:ext>
+            </a:extLst>
+          </p:cNvPr>
+          <p:cNvSpPr/>
+          <p:nvPr/>
+        </p:nvSpPr>
+        <p:spPr>
+          <a:xfrm>
+            <a:off x="15715763" y="4557668"/>
+            <a:ext cx="2108213" cy="1080000"/>
+          </a:xfrm>
+          <a:prstGeom prst="rect">
+            <a:avLst/>
+          </a:prstGeom>
+          <a:noFill/>
+          <a:ln w="28575"/>
+        </p:spPr>
+        <p:style>
+          <a:lnRef idx="2">
+            <a:schemeClr val="accent1"/>
+          </a:lnRef>
+          <a:fillRef idx="1">
+            <a:schemeClr val="lt1"/>
+          </a:fillRef>
+          <a:effectRef idx="0">
+            <a:schemeClr val="accent1"/>
+          </a:effectRef>
+          <a:fontRef idx="minor">
+            <a:schemeClr val="dk1"/>
+          </a:fontRef>
+        </p:style>
+        <p:txBody>
+          <a:bodyPr lIns="124733" tIns="62367" rIns="124733" bIns="62367" rtlCol="0" anchor="ctr"/>
+          <a:lstStyle/>
+          <a:p>
+            <a:pPr algn="ctr"/>
+            <a:r>
+              <a:rPr lang="ru-RU" sz="1400" dirty="0"/>
+              <a:t>Были построены нидерландцами и </a:t>
+            </a:r>
+            <a:r>
+              <a:rPr lang="ru-RU" sz="1400" dirty="0" err="1"/>
+              <a:t>первыев</a:t>
+            </a:r>
+            <a:r>
+              <a:rPr lang="ru-RU" sz="1400" dirty="0"/>
+              <a:t> Индонезии маргариновый и электроламповый заводы</a:t>
+            </a:r>
           </a:p>
         </p:txBody>
       </p:sp>
